--- a/torch_doc_pic.pptx
+++ b/torch_doc_pic.pptx
@@ -7305,7 +7305,7 @@
         </p:nvSpPr>
         <p:spPr>
           <a:xfrm>
-            <a:off x="8943248" y="1106723"/>
+            <a:off x="8968395" y="1074969"/>
             <a:ext cx="3119765" cy="523220"/>
           </a:xfrm>
           <a:prstGeom prst="rect">
